--- a/doc/Task02/Task 2_orange.pptx
+++ b/doc/Task02/Task 2_orange.pptx
@@ -13,7 +13,9 @@
     <p:sldId id="261" r:id="rId7"/>
     <p:sldId id="263" r:id="rId8"/>
     <p:sldId id="264" r:id="rId9"/>
-    <p:sldId id="262" r:id="rId10"/>
+    <p:sldId id="265" r:id="rId10"/>
+    <p:sldId id="266" r:id="rId11"/>
+    <p:sldId id="262" r:id="rId12"/>
   </p:sldIdLst>
   <p:sldSz cx="12192000" cy="6858000"/>
   <p:notesSz cx="6858000" cy="9144000"/>
@@ -112,6 +114,11 @@
       </a:defRPr>
     </a:lvl9pPr>
   </p:defaultTextStyle>
+  <p:extLst>
+    <p:ext uri="{EFAFB233-063F-42B5-8137-9DF3F51BA10A}">
+      <p15:sldGuideLst xmlns:p15="http://schemas.microsoft.com/office/powerpoint/2012/main"/>
+    </p:ext>
+  </p:extLst>
 </p:presentation>
 </file>
 
@@ -3082,6 +3089,222 @@
 </p:sld>
 </file>
 
+<file path=ppt/slides/slide10.xml><?xml version="1.0" encoding="utf-8"?>
+<p:sld xmlns:a="http://schemas.openxmlformats.org/drawingml/2006/main" xmlns:r="http://schemas.openxmlformats.org/officeDocument/2006/relationships" xmlns:p="http://schemas.openxmlformats.org/presentationml/2006/main">
+  <p:cSld>
+    <p:spTree>
+      <p:nvGrpSpPr>
+        <p:cNvPr id="1" name=""/>
+        <p:cNvGrpSpPr/>
+        <p:nvPr/>
+      </p:nvGrpSpPr>
+      <p:grpSpPr>
+        <a:xfrm>
+          <a:off x="0" y="0"/>
+          <a:ext cx="0" cy="0"/>
+          <a:chOff x="0" y="0"/>
+          <a:chExt cx="0" cy="0"/>
+        </a:xfrm>
+      </p:grpSpPr>
+      <p:sp>
+        <p:nvSpPr>
+          <p:cNvPr id="2" name="Titel 1"/>
+          <p:cNvSpPr>
+            <a:spLocks noGrp="1"/>
+          </p:cNvSpPr>
+          <p:nvPr>
+            <p:ph type="title"/>
+          </p:nvPr>
+        </p:nvSpPr>
+        <p:spPr/>
+        <p:txBody>
+          <a:bodyPr/>
+          <a:lstStyle/>
+          <a:p>
+            <a:r>
+              <a:rPr lang="de-CH" dirty="0"/>
+              <a:t>Kommunikation untereinander</a:t>
+            </a:r>
+          </a:p>
+        </p:txBody>
+      </p:sp>
+      <p:sp>
+        <p:nvSpPr>
+          <p:cNvPr id="3" name="Inhaltsplatzhalter 2"/>
+          <p:cNvSpPr>
+            <a:spLocks noGrp="1"/>
+          </p:cNvSpPr>
+          <p:nvPr>
+            <p:ph idx="1"/>
+          </p:nvPr>
+        </p:nvSpPr>
+        <p:spPr/>
+        <p:txBody>
+          <a:bodyPr/>
+          <a:lstStyle/>
+          <a:p>
+            <a:r>
+              <a:rPr lang="de-CH" dirty="0"/>
+              <a:t>Jeden Montag, Mittwoch und Freitag in der Schule </a:t>
+            </a:r>
+          </a:p>
+          <a:p>
+            <a:pPr lvl="1"/>
+            <a:r>
+              <a:rPr lang="de-CH" dirty="0"/>
+              <a:t>(Every 2 Day Meeting)</a:t>
+            </a:r>
+          </a:p>
+          <a:p>
+            <a:r>
+              <a:rPr lang="de-CH" dirty="0"/>
+              <a:t>Mail / </a:t>
+            </a:r>
+            <a:r>
+              <a:rPr lang="de-CH" dirty="0" err="1"/>
+              <a:t>Whathsapp</a:t>
+            </a:r>
+            <a:r>
+              <a:rPr lang="de-CH" dirty="0"/>
+              <a:t> Gruppe bei Fragen</a:t>
+            </a:r>
+          </a:p>
+          <a:p>
+            <a:r>
+              <a:rPr lang="de-CH" dirty="0"/>
+              <a:t>Planung und Review vor / </a:t>
+            </a:r>
+            <a:r>
+              <a:rPr lang="de-CH"/>
+              <a:t>nach Sprints</a:t>
+            </a:r>
+          </a:p>
+          <a:p>
+            <a:pPr lvl="1"/>
+            <a:r>
+              <a:rPr lang="de-CH"/>
+              <a:t> </a:t>
+            </a:r>
+            <a:r>
+              <a:rPr lang="de-CH" dirty="0"/>
+              <a:t>(jeweils Freitag nach / in der Schule)</a:t>
+            </a:r>
+          </a:p>
+        </p:txBody>
+      </p:sp>
+    </p:spTree>
+    <p:extLst>
+      <p:ext uri="{BB962C8B-B14F-4D97-AF65-F5344CB8AC3E}">
+        <p14:creationId xmlns:p14="http://schemas.microsoft.com/office/powerpoint/2010/main" val="1231512502"/>
+      </p:ext>
+    </p:extLst>
+  </p:cSld>
+  <p:clrMapOvr>
+    <a:masterClrMapping/>
+  </p:clrMapOvr>
+</p:sld>
+</file>
+
+<file path=ppt/slides/slide11.xml><?xml version="1.0" encoding="utf-8"?>
+<p:sld xmlns:a="http://schemas.openxmlformats.org/drawingml/2006/main" xmlns:r="http://schemas.openxmlformats.org/officeDocument/2006/relationships" xmlns:p="http://schemas.openxmlformats.org/presentationml/2006/main">
+  <p:cSld>
+    <p:spTree>
+      <p:nvGrpSpPr>
+        <p:cNvPr id="1" name=""/>
+        <p:cNvGrpSpPr/>
+        <p:nvPr/>
+      </p:nvGrpSpPr>
+      <p:grpSpPr>
+        <a:xfrm>
+          <a:off x="0" y="0"/>
+          <a:ext cx="0" cy="0"/>
+          <a:chOff x="0" y="0"/>
+          <a:chExt cx="0" cy="0"/>
+        </a:xfrm>
+      </p:grpSpPr>
+      <p:sp>
+        <p:nvSpPr>
+          <p:cNvPr id="2" name="Titel 1"/>
+          <p:cNvSpPr>
+            <a:spLocks noGrp="1"/>
+          </p:cNvSpPr>
+          <p:nvPr>
+            <p:ph type="title"/>
+          </p:nvPr>
+        </p:nvSpPr>
+        <p:spPr/>
+        <p:txBody>
+          <a:bodyPr/>
+          <a:lstStyle/>
+          <a:p>
+            <a:r>
+              <a:rPr lang="de-CH" dirty="0"/>
+              <a:t>Kundeneinbezug</a:t>
+            </a:r>
+          </a:p>
+        </p:txBody>
+      </p:sp>
+      <p:sp>
+        <p:nvSpPr>
+          <p:cNvPr id="3" name="Inhaltsplatzhalter 2"/>
+          <p:cNvSpPr>
+            <a:spLocks noGrp="1"/>
+          </p:cNvSpPr>
+          <p:nvPr>
+            <p:ph idx="1"/>
+          </p:nvPr>
+        </p:nvSpPr>
+        <p:spPr/>
+        <p:txBody>
+          <a:bodyPr/>
+          <a:lstStyle/>
+          <a:p>
+            <a:r>
+              <a:rPr lang="de-CH" dirty="0"/>
+              <a:t>Bei </a:t>
+            </a:r>
+            <a:r>
+              <a:rPr lang="de-CH" dirty="0" err="1"/>
+              <a:t>Requirement</a:t>
+            </a:r>
+            <a:r>
+              <a:rPr lang="de-CH" dirty="0"/>
+              <a:t> Analyse</a:t>
+            </a:r>
+          </a:p>
+          <a:p>
+            <a:r>
+              <a:rPr lang="de-CH" dirty="0"/>
+              <a:t>Nach jedem Sprint</a:t>
+            </a:r>
+          </a:p>
+          <a:p>
+            <a:r>
+              <a:rPr lang="de-CH" dirty="0"/>
+              <a:t>Bei Kundenbedarf</a:t>
+            </a:r>
+          </a:p>
+          <a:p>
+            <a:r>
+              <a:rPr lang="de-CH" dirty="0"/>
+              <a:t>Bei der Abnahme</a:t>
+            </a:r>
+          </a:p>
+        </p:txBody>
+      </p:sp>
+    </p:spTree>
+    <p:extLst>
+      <p:ext uri="{BB962C8B-B14F-4D97-AF65-F5344CB8AC3E}">
+        <p14:creationId xmlns:p14="http://schemas.microsoft.com/office/powerpoint/2010/main" val="2288181759"/>
+      </p:ext>
+    </p:extLst>
+  </p:cSld>
+  <p:clrMapOvr>
+    <a:masterClrMapping/>
+  </p:clrMapOvr>
+</p:sld>
+</file>
+
 <file path=ppt/slides/slide2.xml><?xml version="1.0" encoding="utf-8"?>
 <p:sld xmlns:a="http://schemas.openxmlformats.org/drawingml/2006/main" xmlns:r="http://schemas.openxmlformats.org/officeDocument/2006/relationships" xmlns:p="http://schemas.openxmlformats.org/presentationml/2006/main">
   <p:cSld>
@@ -3981,8 +4204,8 @@
           <a:lstStyle/>
           <a:p>
             <a:r>
-              <a:rPr lang="de-CH" dirty="0"/>
-              <a:t>Kundeneinbezug</a:t>
+              <a:rPr lang="de-CH"/>
+              <a:t>Abhängigkeiten im Projekt</a:t>
             </a:r>
           </a:p>
         </p:txBody>
@@ -3999,17 +4222,94 @@
         </p:nvSpPr>
         <p:spPr/>
         <p:txBody>
-          <a:bodyPr/>
-          <a:lstStyle/>
-          <a:p>
+          <a:bodyPr>
+            <a:normAutofit lnSpcReduction="10000"/>
+          </a:bodyPr>
+          <a:lstStyle/>
+          <a:p>
+            <a:r>
+              <a:rPr lang="de-CH" dirty="0"/>
+              <a:t>Generell: Die Projektphasen müssen jeweils abgeschlossen sein, bevor die nächste beginnt</a:t>
+            </a:r>
+          </a:p>
+          <a:p>
+            <a:r>
+              <a:rPr lang="de-CH" dirty="0" err="1"/>
+              <a:t>Requirements</a:t>
+            </a:r>
+            <a:r>
+              <a:rPr lang="de-CH" dirty="0"/>
+              <a:t> vor </a:t>
+            </a:r>
+            <a:r>
+              <a:rPr lang="de-CH" dirty="0" err="1"/>
+              <a:t>Usecases</a:t>
+            </a:r>
             <a:endParaRPr lang="de-CH" dirty="0"/>
+          </a:p>
+          <a:p>
+            <a:r>
+              <a:rPr lang="de-CH" dirty="0" err="1"/>
+              <a:t>Usecases</a:t>
+            </a:r>
+            <a:r>
+              <a:rPr lang="de-CH" dirty="0"/>
+              <a:t> vor Technologie Bestimmung</a:t>
+            </a:r>
+          </a:p>
+          <a:p>
+            <a:r>
+              <a:rPr lang="de-CH" dirty="0"/>
+              <a:t>Technologie Bestimmung vor DB-Diagramm</a:t>
+            </a:r>
+          </a:p>
+          <a:p>
+            <a:r>
+              <a:rPr lang="de-CH" dirty="0"/>
+              <a:t>DB-Diagramm vor Klassendiagramme</a:t>
+            </a:r>
+          </a:p>
+          <a:p>
+            <a:r>
+              <a:rPr lang="de-CH" dirty="0"/>
+              <a:t>Architektur nach DB-Diagramm</a:t>
+            </a:r>
+          </a:p>
+          <a:p>
+            <a:r>
+              <a:rPr lang="de-CH" dirty="0" err="1"/>
+              <a:t>Mockups</a:t>
+            </a:r>
+            <a:r>
+              <a:rPr lang="de-CH" dirty="0"/>
+              <a:t> nicht vor </a:t>
+            </a:r>
+            <a:r>
+              <a:rPr lang="de-CH" dirty="0" err="1"/>
+              <a:t>Usecases</a:t>
+            </a:r>
+            <a:r>
+              <a:rPr lang="de-CH" dirty="0"/>
+              <a:t> und </a:t>
+            </a:r>
+            <a:r>
+              <a:rPr lang="de-CH" dirty="0" err="1"/>
+              <a:t>Requirements</a:t>
+            </a:r>
+            <a:endParaRPr lang="de-CH" dirty="0"/>
+          </a:p>
+          <a:p>
+            <a:r>
+              <a:rPr lang="de-CH" dirty="0"/>
+              <a:t>Kunden-OK nach jedem Sprint </a:t>
+            </a:r>
           </a:p>
         </p:txBody>
       </p:sp>
     </p:spTree>
     <p:extLst>
       <p:ext uri="{BB962C8B-B14F-4D97-AF65-F5344CB8AC3E}">
-        <p14:creationId xmlns:p14="http://schemas.microsoft.com/office/powerpoint/2010/main" val="2288181759"/>
+        <p14:creationId xmlns:p14="http://schemas.microsoft.com/office/powerpoint/2010/main" val="2067609440"/>
       </p:ext>
     </p:extLst>
   </p:cSld>

--- a/doc/Task02/Task 2_orange.pptx
+++ b/doc/Task02/Task 2_orange.pptx
@@ -116,7 +116,7 @@
   </p:defaultTextStyle>
   <p:extLst>
     <p:ext uri="{EFAFB233-063F-42B5-8137-9DF3F51BA10A}">
-      <p15:sldGuideLst xmlns:p15="http://schemas.microsoft.com/office/powerpoint/2012/main"/>
+      <p15:sldGuideLst xmlns:p15="http://schemas.microsoft.com/office/powerpoint/2012/main" xmlns=""/>
     </p:ext>
   </p:extLst>
 </p:presentation>
@@ -3016,6 +3016,10 @@
               <a:rPr lang="de-CH" dirty="0" err="1"/>
               <a:t>Process</a:t>
             </a:r>
+            <a:r>
+              <a:rPr lang="de-CH" dirty="0"/>
+              <a:t/>
+            </a:r>
             <a:br>
               <a:rPr lang="de-CH" dirty="0"/>
             </a:br>
@@ -3144,9 +3148,10 @@
           <a:lstStyle/>
           <a:p>
             <a:r>
-              <a:rPr lang="de-CH" dirty="0"/>
-              <a:t>Jeden Montag, Mittwoch und Freitag in der Schule </a:t>
-            </a:r>
+              <a:rPr lang="de-CH" dirty="0" smtClean="0"/>
+              <a:t>Schultage </a:t>
+            </a:r>
+            <a:endParaRPr lang="de-CH" dirty="0"/>
           </a:p>
           <a:p>
             <a:pPr lvl="1"/>
@@ -3166,29 +3171,24 @@
             </a:r>
             <a:r>
               <a:rPr lang="de-CH" dirty="0"/>
-              <a:t> Gruppe bei Fragen</a:t>
-            </a:r>
-          </a:p>
-          <a:p>
-            <a:r>
-              <a:rPr lang="de-CH" dirty="0"/>
-              <a:t>Planung und Review vor / </a:t>
-            </a:r>
-            <a:r>
-              <a:rPr lang="de-CH"/>
-              <a:t>nach Sprints</a:t>
-            </a:r>
-          </a:p>
-          <a:p>
-            <a:pPr lvl="1"/>
-            <a:r>
-              <a:rPr lang="de-CH"/>
-              <a:t> </a:t>
-            </a:r>
-            <a:r>
-              <a:rPr lang="de-CH" dirty="0"/>
-              <a:t>(jeweils Freitag nach / in der Schule)</a:t>
-            </a:r>
+              <a:t> Gruppe </a:t>
+            </a:r>
+            <a:endParaRPr lang="de-CH" dirty="0" smtClean="0"/>
+          </a:p>
+          <a:p>
+            <a:r>
+              <a:rPr lang="de-CH" dirty="0" smtClean="0"/>
+              <a:t>Planung </a:t>
+            </a:r>
+            <a:r>
+              <a:rPr lang="de-CH" dirty="0"/>
+              <a:t>und Review vor / nach </a:t>
+            </a:r>
+            <a:r>
+              <a:rPr lang="de-CH" dirty="0" smtClean="0"/>
+              <a:t>Sprints</a:t>
+            </a:r>
+            <a:endParaRPr lang="de-CH" dirty="0"/>
           </a:p>
         </p:txBody>
       </p:sp>
@@ -3373,17 +3373,25 @@
           <a:lstStyle/>
           <a:p>
             <a:r>
-              <a:rPr lang="de-CH" dirty="0"/>
-              <a:t>Weil vorgegeben von Unterrichtsstruktur</a:t>
-            </a:r>
-          </a:p>
-          <a:p>
-            <a:r>
-              <a:rPr lang="de-CH" dirty="0"/>
-              <a:t>Bessere Übersicht von </a:t>
-            </a:r>
-            <a:r>
-              <a:rPr lang="de-CH" dirty="0" err="1"/>
+              <a:rPr lang="de-CH" dirty="0" smtClean="0"/>
+              <a:t>Vorgabe </a:t>
+            </a:r>
+            <a:r>
+              <a:rPr lang="de-CH" dirty="0"/>
+              <a:t>Unterrichtsstruktur</a:t>
+            </a:r>
+          </a:p>
+          <a:p>
+            <a:r>
+              <a:rPr lang="de-CH" dirty="0"/>
+              <a:t>Bessere Übersicht </a:t>
+            </a:r>
+            <a:r>
+              <a:rPr lang="de-CH" dirty="0" smtClean="0"/>
+              <a:t>über </a:t>
+            </a:r>
+            <a:r>
+              <a:rPr lang="de-CH" dirty="0" err="1" smtClean="0"/>
               <a:t>Requirements</a:t>
             </a:r>
             <a:endParaRPr lang="de-CH" dirty="0"/>
@@ -3391,26 +3399,36 @@
           <a:p>
             <a:r>
               <a:rPr lang="de-CH" dirty="0"/>
-              <a:t>Kein «echter» Kunde, wir selbst müssen sehen ob es «gut» ist</a:t>
+              <a:t>Kein «echter» </a:t>
+            </a:r>
+            <a:r>
+              <a:rPr lang="de-CH" dirty="0" smtClean="0"/>
+              <a:t>Kunde</a:t>
             </a:r>
           </a:p>
           <a:p>
             <a:pPr lvl="1"/>
             <a:r>
-              <a:rPr lang="de-CH" dirty="0"/>
-              <a:t>Wir bekommen kein echtes Feedback</a:t>
-            </a:r>
-          </a:p>
-          <a:p>
-            <a:r>
-              <a:rPr lang="de-CH" dirty="0"/>
-              <a:t>Wegen Endtermin ist Planung einfacher</a:t>
-            </a:r>
-          </a:p>
-          <a:p>
-            <a:r>
-              <a:rPr lang="de-CH" dirty="0"/>
-              <a:t>Besserer Zeitplan möglich</a:t>
+              <a:rPr lang="de-CH" dirty="0" smtClean="0"/>
+              <a:t>kein Feedback</a:t>
+            </a:r>
+          </a:p>
+          <a:p>
+            <a:r>
+              <a:rPr lang="de-CH" dirty="0" smtClean="0"/>
+              <a:t>gegebener Endtermin</a:t>
+            </a:r>
+            <a:endParaRPr lang="de-CH" dirty="0"/>
+          </a:p>
+          <a:p>
+            <a:pPr lvl="1"/>
+            <a:r>
+              <a:rPr lang="de-CH" dirty="0"/>
+              <a:t>Bessere Zeitplanung </a:t>
+            </a:r>
+            <a:r>
+              <a:rPr lang="de-CH" dirty="0"/>
+              <a:t>möglich</a:t>
             </a:r>
           </a:p>
         </p:txBody>
@@ -3503,20 +3521,42 @@
           <a:lstStyle/>
           <a:p>
             <a:r>
-              <a:rPr lang="de-CH" dirty="0"/>
-              <a:t>Nicht so flexibel</a:t>
-            </a:r>
-          </a:p>
-          <a:p>
-            <a:r>
-              <a:rPr lang="de-CH" dirty="0"/>
-              <a:t>Anfangs Zeitintensiv bis Konzept und Definitionen abgeschlossen sind.</a:t>
-            </a:r>
-          </a:p>
-          <a:p>
-            <a:r>
-              <a:rPr lang="de-CH" dirty="0"/>
-              <a:t>Unterhalt der Software schwieriger</a:t>
+              <a:rPr lang="de-CH" dirty="0" smtClean="0"/>
+              <a:t>unflexibel</a:t>
+            </a:r>
+            <a:endParaRPr lang="de-CH" dirty="0"/>
+          </a:p>
+          <a:p>
+            <a:r>
+              <a:rPr lang="de-CH" dirty="0"/>
+              <a:t>Anfangs Zeitintensiv </a:t>
+            </a:r>
+            <a:r>
+              <a:rPr lang="de-CH" dirty="0" smtClean="0"/>
+              <a:t>(Konzept </a:t>
+            </a:r>
+            <a:r>
+              <a:rPr lang="de-CH" dirty="0"/>
+              <a:t>und </a:t>
+            </a:r>
+            <a:r>
+              <a:rPr lang="de-CH" dirty="0" smtClean="0"/>
+              <a:t>Definitionen)</a:t>
+            </a:r>
+            <a:endParaRPr lang="de-CH" dirty="0"/>
+          </a:p>
+          <a:p>
+            <a:r>
+              <a:rPr lang="de-CH" dirty="0"/>
+              <a:t>Unterhalt </a:t>
+            </a:r>
+            <a:r>
+              <a:rPr lang="de-CH" dirty="0" smtClean="0"/>
+              <a:t>SW </a:t>
+            </a:r>
+            <a:r>
+              <a:rPr lang="de-CH" dirty="0"/>
+              <a:t>schwieriger</a:t>
             </a:r>
           </a:p>
           <a:p>
@@ -3607,20 +3647,35 @@
           <a:p>
             <a:r>
               <a:rPr lang="de-CH" dirty="0"/>
-              <a:t>Kleines Team arbeitet gut mit agilen Methoden</a:t>
-            </a:r>
-          </a:p>
-          <a:p>
-            <a:r>
-              <a:rPr lang="de-CH" dirty="0"/>
-              <a:t>Es kommt laufend neue Theorie welche wir berücksichtigen können</a:t>
-            </a:r>
-          </a:p>
-          <a:p>
-            <a:r>
-              <a:rPr lang="de-CH" dirty="0"/>
-              <a:t>Fortschritt schnell ersichtlich</a:t>
-            </a:r>
+              <a:t>Kleines Team </a:t>
+            </a:r>
+            <a:endParaRPr lang="de-CH" dirty="0" smtClean="0"/>
+          </a:p>
+          <a:p>
+            <a:r>
+              <a:rPr lang="de-CH" dirty="0" smtClean="0"/>
+              <a:t>laufend </a:t>
+            </a:r>
+            <a:r>
+              <a:rPr lang="de-CH" dirty="0"/>
+              <a:t>neue Theorie </a:t>
+            </a:r>
+            <a:r>
+              <a:rPr lang="de-CH" dirty="0" smtClean="0"/>
+              <a:t>aus Unterricht</a:t>
+            </a:r>
+            <a:endParaRPr lang="de-CH" dirty="0"/>
+          </a:p>
+          <a:p>
+            <a:r>
+              <a:rPr lang="de-CH" dirty="0"/>
+              <a:t>Fortschritt </a:t>
+            </a:r>
+            <a:r>
+              <a:rPr lang="de-CH" dirty="0" smtClean="0"/>
+              <a:t>ersichtlich</a:t>
+            </a:r>
+            <a:endParaRPr lang="de-CH" dirty="0"/>
           </a:p>
         </p:txBody>
       </p:sp>
@@ -3714,18 +3769,15 @@
               <a:t>Häufiges </a:t>
             </a:r>
             <a:r>
-              <a:rPr lang="de-CH" dirty="0" err="1"/>
+              <a:rPr lang="de-CH" dirty="0" err="1" smtClean="0"/>
               <a:t>Refactoring</a:t>
             </a:r>
-            <a:r>
-              <a:rPr lang="de-CH" dirty="0"/>
-              <a:t> der SW nötig</a:t>
-            </a:r>
-          </a:p>
-          <a:p>
-            <a:r>
-              <a:rPr lang="de-CH" dirty="0"/>
-              <a:t>Wir können von der Schule aus keine Daily </a:t>
+            <a:endParaRPr lang="de-CH" dirty="0"/>
+          </a:p>
+          <a:p>
+            <a:r>
+              <a:rPr lang="de-CH" dirty="0" smtClean="0"/>
+              <a:t>Daily </a:t>
             </a:r>
             <a:r>
               <a:rPr lang="de-CH" dirty="0" err="1"/>
@@ -3733,7 +3785,23 @@
             </a:r>
             <a:r>
               <a:rPr lang="de-CH" dirty="0"/>
-              <a:t> machen (Austausch zwischen Projektmitgliedern schwierig)</a:t>
+              <a:t> </a:t>
+            </a:r>
+            <a:r>
+              <a:rPr lang="de-CH" dirty="0" smtClean="0"/>
+              <a:t>(</a:t>
+            </a:r>
+            <a:r>
+              <a:rPr lang="de-CH" dirty="0"/>
+              <a:t>Austausch </a:t>
+            </a:r>
+            <a:r>
+              <a:rPr lang="de-CH" dirty="0" smtClean="0"/>
+              <a:t>schwierig</a:t>
+            </a:r>
+            <a:r>
+              <a:rPr lang="de-CH" dirty="0"/>
+              <a:t>)</a:t>
             </a:r>
           </a:p>
           <a:p>
@@ -3836,8 +3904,16 @@
           <a:p>
             <a:pPr lvl="1"/>
             <a:r>
-              <a:rPr lang="de-CH" dirty="0"/>
-              <a:t> </a:t>
+              <a:rPr lang="de-CH" dirty="0" smtClean="0"/>
+              <a:t>Entwicklung </a:t>
+            </a:r>
+            <a:r>
+              <a:rPr lang="de-CH" dirty="0"/>
+              <a:t>/ Test und </a:t>
+            </a:r>
+            <a:r>
+              <a:rPr lang="de-CH" dirty="0"/>
+              <a:t>Demo-Phase: </a:t>
             </a:r>
             <a:r>
               <a:rPr lang="de-CH" dirty="0" err="1"/>
@@ -3845,14 +3921,23 @@
             </a:r>
             <a:r>
               <a:rPr lang="de-CH" dirty="0"/>
-              <a:t> während der Entwicklung / Test und Demo-Phase</a:t>
-            </a:r>
+              <a:t> </a:t>
+            </a:r>
+            <a:endParaRPr lang="de-CH" dirty="0"/>
           </a:p>
           <a:p>
             <a:pPr lvl="1"/>
             <a:r>
               <a:rPr lang="de-CH" dirty="0"/>
-              <a:t>Initialisierung, Konzeptphase und Abschluss nach Plan-</a:t>
+              <a:t>Initialisierung, Konzeptphase und </a:t>
+            </a:r>
+            <a:r>
+              <a:rPr lang="de-CH" dirty="0" smtClean="0"/>
+              <a:t>Abschluss: </a:t>
+            </a:r>
+            <a:r>
+              <a:rPr lang="de-CH" dirty="0"/>
+              <a:t>Plan-</a:t>
             </a:r>
             <a:r>
               <a:rPr lang="de-CH" dirty="0" err="1"/>
@@ -3950,8 +4035,12 @@
           <a:p>
             <a:pPr lvl="1"/>
             <a:r>
-              <a:rPr lang="de-CH" dirty="0"/>
-              <a:t>Ausarbeiten wie wann wo was</a:t>
+              <a:rPr lang="de-CH" dirty="0" smtClean="0"/>
+              <a:t>Wer, wie, wann, wo, </a:t>
+            </a:r>
+            <a:r>
+              <a:rPr lang="de-CH" dirty="0"/>
+              <a:t>was</a:t>
             </a:r>
           </a:p>
           <a:p>
@@ -3984,12 +4073,16 @@
           <a:p>
             <a:pPr lvl="1"/>
             <a:r>
-              <a:rPr lang="de-CH" dirty="0" err="1"/>
-              <a:t>Usecase</a:t>
-            </a:r>
-            <a:r>
-              <a:rPr lang="de-CH" dirty="0"/>
-              <a:t> Diagramm und Szenario, </a:t>
+              <a:rPr lang="de-CH" dirty="0" err="1" smtClean="0"/>
+              <a:t>Use</a:t>
+            </a:r>
+            <a:r>
+              <a:rPr lang="de-CH" dirty="0" smtClean="0"/>
+              <a:t> Case </a:t>
+            </a:r>
+            <a:r>
+              <a:rPr lang="de-CH" dirty="0"/>
+              <a:t>Diagramm und Szenario, </a:t>
             </a:r>
             <a:r>
               <a:rPr lang="de-CH" dirty="0" err="1"/>
@@ -3997,10 +4090,18 @@
             </a:r>
             <a:r>
               <a:rPr lang="de-CH" dirty="0"/>
-              <a:t>, DB-Diagramme, Klassendiagramm, </a:t>
-            </a:r>
-            <a:r>
-              <a:rPr lang="de-CH" dirty="0" err="1"/>
+              <a:t>, </a:t>
+            </a:r>
+            <a:r>
+              <a:rPr lang="de-CH" dirty="0" smtClean="0"/>
+              <a:t>DB-Diagramm, </a:t>
+            </a:r>
+            <a:r>
+              <a:rPr lang="de-CH" dirty="0"/>
+              <a:t>Klassendiagramm, </a:t>
+            </a:r>
+            <a:r>
+              <a:rPr lang="de-CH" dirty="0" err="1" smtClean="0"/>
               <a:t>Mockups</a:t>
             </a:r>
             <a:r>
@@ -4089,8 +4190,24 @@
           <a:p>
             <a:pPr lvl="1"/>
             <a:r>
-              <a:rPr lang="de-CH" dirty="0"/>
-              <a:t>Iterativ in 3 Sprints à 2 Wochen Realisieren + Testen + </a:t>
+              <a:rPr lang="de-CH" dirty="0" smtClean="0"/>
+              <a:t>Iterativ, </a:t>
+            </a:r>
+            <a:r>
+              <a:rPr lang="de-CH" dirty="0"/>
+              <a:t>3 Sprints à 2 Wochen </a:t>
+            </a:r>
+            <a:r>
+              <a:rPr lang="de-CH" dirty="0"/>
+              <a:t>(</a:t>
+            </a:r>
+            <a:r>
+              <a:rPr lang="de-CH" dirty="0" smtClean="0"/>
+              <a:t>Realisieren </a:t>
+            </a:r>
+            <a:r>
+              <a:rPr lang="de-CH" dirty="0"/>
+              <a:t>+ Testen + </a:t>
             </a:r>
             <a:r>
               <a:rPr lang="de-CH" dirty="0" err="1"/>
@@ -4098,8 +4215,13 @@
             </a:r>
             <a:r>
               <a:rPr lang="de-CH" dirty="0"/>
-              <a:t> aufnehmen</a:t>
-            </a:r>
+              <a:t> </a:t>
+            </a:r>
+            <a:r>
+              <a:rPr lang="de-CH" dirty="0" smtClean="0"/>
+              <a:t>aufnehmen)</a:t>
+            </a:r>
+            <a:endParaRPr lang="de-CH" dirty="0"/>
           </a:p>
           <a:p>
             <a:pPr lvl="1"/>
@@ -4145,15 +4267,7 @@
             <a:pPr lvl="1"/>
             <a:r>
               <a:rPr lang="de-CH" dirty="0"/>
-              <a:t>(Neue </a:t>
-            </a:r>
-            <a:r>
-              <a:rPr lang="de-CH"/>
-              <a:t>Anforderungen Umsetzen </a:t>
-            </a:r>
-            <a:r>
-              <a:rPr lang="de-CH" dirty="0"/>
-              <a:t>und neue Releases herausgeben)</a:t>
+              <a:t>(Neue Anforderungen Umsetzen und neue Releases herausgeben)</a:t>
             </a:r>
           </a:p>
         </p:txBody>
@@ -4223,86 +4337,120 @@
         <p:spPr/>
         <p:txBody>
           <a:bodyPr>
-            <a:normAutofit lnSpcReduction="10000"/>
+            <a:normAutofit fontScale="92500" lnSpcReduction="20000"/>
           </a:bodyPr>
           <a:lstStyle/>
           <a:p>
             <a:r>
               <a:rPr lang="de-CH" dirty="0"/>
-              <a:t>Generell: Die Projektphasen müssen jeweils abgeschlossen sein, bevor die nächste beginnt</a:t>
-            </a:r>
-          </a:p>
-          <a:p>
+              <a:t>Generell: </a:t>
+            </a:r>
+            <a:r>
+              <a:rPr lang="de-CH" dirty="0" smtClean="0"/>
+              <a:t>Projektphasen abschliessen</a:t>
+            </a:r>
+          </a:p>
+          <a:p>
+            <a:r>
+              <a:rPr lang="de-CH" dirty="0" err="1"/>
+              <a:t>Mockups</a:t>
+            </a:r>
+            <a:r>
+              <a:rPr lang="de-CH" dirty="0"/>
+              <a:t> nicht vor </a:t>
+            </a:r>
+            <a:r>
+              <a:rPr lang="de-CH" dirty="0" err="1"/>
+              <a:t>Usecases</a:t>
+            </a:r>
+            <a:r>
+              <a:rPr lang="de-CH" dirty="0"/>
+              <a:t> und </a:t>
+            </a:r>
             <a:r>
               <a:rPr lang="de-CH" dirty="0" err="1"/>
               <a:t>Requirements</a:t>
             </a:r>
-            <a:r>
-              <a:rPr lang="de-CH" dirty="0"/>
-              <a:t> vor </a:t>
-            </a:r>
-            <a:r>
-              <a:rPr lang="de-CH" dirty="0" err="1"/>
-              <a:t>Usecases</a:t>
-            </a:r>
             <a:endParaRPr lang="de-CH" dirty="0"/>
           </a:p>
           <a:p>
             <a:r>
-              <a:rPr lang="de-CH" dirty="0" err="1"/>
-              <a:t>Usecases</a:t>
-            </a:r>
-            <a:r>
-              <a:rPr lang="de-CH" dirty="0"/>
-              <a:t> vor Technologie Bestimmung</a:t>
-            </a:r>
-          </a:p>
-          <a:p>
-            <a:r>
-              <a:rPr lang="de-CH" dirty="0"/>
-              <a:t>Technologie Bestimmung vor DB-Diagramm</a:t>
-            </a:r>
-          </a:p>
-          <a:p>
-            <a:r>
-              <a:rPr lang="de-CH" dirty="0"/>
-              <a:t>DB-Diagramm vor Klassendiagramme</a:t>
-            </a:r>
-          </a:p>
-          <a:p>
-            <a:r>
-              <a:rPr lang="de-CH" dirty="0"/>
-              <a:t>Architektur nach DB-Diagramm</a:t>
-            </a:r>
-          </a:p>
-          <a:p>
-            <a:r>
-              <a:rPr lang="de-CH" dirty="0" err="1"/>
-              <a:t>Mockups</a:t>
-            </a:r>
-            <a:r>
-              <a:rPr lang="de-CH" dirty="0"/>
-              <a:t> nicht vor </a:t>
-            </a:r>
-            <a:r>
-              <a:rPr lang="de-CH" dirty="0" err="1"/>
-              <a:t>Usecases</a:t>
-            </a:r>
-            <a:r>
-              <a:rPr lang="de-CH" dirty="0"/>
-              <a:t> und </a:t>
-            </a:r>
-            <a:r>
-              <a:rPr lang="de-CH" dirty="0" err="1"/>
+              <a:rPr lang="de-CH" dirty="0"/>
+              <a:t>Kunden-OK nach jedem Sprint </a:t>
+            </a:r>
+            <a:endParaRPr lang="de-CH" dirty="0" smtClean="0"/>
+          </a:p>
+          <a:p>
+            <a:endParaRPr lang="de-CH" dirty="0"/>
+          </a:p>
+          <a:p>
+            <a:pPr marL="514350" indent="-514350">
+              <a:buFont typeface="+mj-lt"/>
+              <a:buAutoNum type="arabicPeriod"/>
+            </a:pPr>
+            <a:r>
+              <a:rPr lang="de-CH" dirty="0" err="1" smtClean="0"/>
               <a:t>Requirements</a:t>
             </a:r>
             <a:endParaRPr lang="de-CH" dirty="0"/>
           </a:p>
           <a:p>
-            <a:r>
-              <a:rPr lang="de-CH" dirty="0"/>
-              <a:t>Kunden-OK nach jedem Sprint </a:t>
-            </a:r>
+            <a:pPr marL="514350" indent="-514350">
+              <a:buFont typeface="+mj-lt"/>
+              <a:buAutoNum type="arabicPeriod"/>
+            </a:pPr>
+            <a:r>
+              <a:rPr lang="de-CH" dirty="0" err="1" smtClean="0"/>
+              <a:t>Use</a:t>
+            </a:r>
+            <a:r>
+              <a:rPr lang="de-CH" dirty="0" smtClean="0"/>
+              <a:t> Cases</a:t>
+            </a:r>
+            <a:endParaRPr lang="de-CH" dirty="0"/>
+          </a:p>
+          <a:p>
+            <a:pPr marL="514350" indent="-514350">
+              <a:buFont typeface="+mj-lt"/>
+              <a:buAutoNum type="arabicPeriod"/>
+            </a:pPr>
+            <a:r>
+              <a:rPr lang="de-CH" dirty="0" smtClean="0"/>
+              <a:t>Technologie</a:t>
+            </a:r>
+            <a:endParaRPr lang="de-CH" dirty="0"/>
+          </a:p>
+          <a:p>
+            <a:pPr marL="514350" indent="-514350">
+              <a:buFont typeface="+mj-lt"/>
+              <a:buAutoNum type="arabicPeriod"/>
+            </a:pPr>
+            <a:r>
+              <a:rPr lang="de-CH" dirty="0"/>
+              <a:t>DB-Diagramm </a:t>
+            </a:r>
+            <a:endParaRPr lang="de-CH" dirty="0" smtClean="0"/>
+          </a:p>
+          <a:p>
+            <a:pPr marL="514350" indent="-514350">
+              <a:buFont typeface="+mj-lt"/>
+              <a:buAutoNum type="arabicPeriod"/>
+            </a:pPr>
+            <a:r>
+              <a:rPr lang="de-CH" dirty="0" smtClean="0"/>
+              <a:t>Architektur </a:t>
+            </a:r>
+          </a:p>
+          <a:p>
+            <a:pPr marL="514350" indent="-514350">
+              <a:buFont typeface="+mj-lt"/>
+              <a:buAutoNum type="arabicPeriod"/>
+            </a:pPr>
+            <a:r>
+              <a:rPr lang="de-CH" dirty="0" smtClean="0"/>
+              <a:t>Klassendiagramme</a:t>
+            </a:r>
+            <a:endParaRPr lang="de-CH" dirty="0"/>
           </a:p>
         </p:txBody>
       </p:sp>
@@ -4608,7 +4756,7 @@
   <a:extraClrSchemeLst/>
   <a:extLst>
     <a:ext uri="{05A4C25C-085E-4340-85A3-A5531E510DB2}">
-      <thm15:themeFamily xmlns:thm15="http://schemas.microsoft.com/office/thememl/2012/main" name="Office Theme" id="{62F939B6-93AF-4DB8-9C6B-D6C7DFDC589F}" vid="{4A3C46E8-61CC-4603-A589-7422A47A8E4A}"/>
+      <thm15:themeFamily xmlns:thm15="http://schemas.microsoft.com/office/thememl/2012/main" xmlns="" name="Office Theme" id="{62F939B6-93AF-4DB8-9C6B-D6C7DFDC589F}" vid="{4A3C46E8-61CC-4603-A589-7422A47A8E4A}"/>
     </a:ext>
   </a:extLst>
 </a:theme>

--- a/doc/Task02/Task 2_orange.pptx
+++ b/doc/Task02/Task 2_orange.pptx
@@ -3260,8 +3260,8 @@
           <a:lstStyle/>
           <a:p>
             <a:r>
-              <a:rPr lang="de-CH" dirty="0"/>
-              <a:t>Bei </a:t>
+              <a:rPr lang="de-CH" dirty="0" smtClean="0"/>
+              <a:t>bei </a:t>
             </a:r>
             <a:r>
               <a:rPr lang="de-CH" dirty="0" err="1"/>
@@ -3274,20 +3274,32 @@
           </a:p>
           <a:p>
             <a:r>
-              <a:rPr lang="de-CH" dirty="0"/>
-              <a:t>Nach jedem Sprint</a:t>
-            </a:r>
-          </a:p>
-          <a:p>
-            <a:r>
-              <a:rPr lang="de-CH" dirty="0"/>
-              <a:t>Bei Kundenbedarf</a:t>
-            </a:r>
-          </a:p>
-          <a:p>
-            <a:r>
-              <a:rPr lang="de-CH" dirty="0"/>
-              <a:t>Bei der Abnahme</a:t>
+              <a:rPr lang="de-CH" dirty="0" smtClean="0"/>
+              <a:t>nach </a:t>
+            </a:r>
+            <a:r>
+              <a:rPr lang="de-CH" dirty="0"/>
+              <a:t>jedem Sprint</a:t>
+            </a:r>
+          </a:p>
+          <a:p>
+            <a:r>
+              <a:rPr lang="de-CH" dirty="0" smtClean="0"/>
+              <a:t>bei </a:t>
+            </a:r>
+            <a:r>
+              <a:rPr lang="de-CH" dirty="0"/>
+              <a:t>Kundenbedarf</a:t>
+            </a:r>
+          </a:p>
+          <a:p>
+            <a:r>
+              <a:rPr lang="de-CH" smtClean="0"/>
+              <a:t>bei </a:t>
+            </a:r>
+            <a:r>
+              <a:rPr lang="de-CH" dirty="0"/>
+              <a:t>der Abnahme</a:t>
             </a:r>
           </a:p>
         </p:txBody>
@@ -3398,8 +3410,12 @@
           </a:p>
           <a:p>
             <a:r>
-              <a:rPr lang="de-CH" dirty="0"/>
-              <a:t>Kein «echter» </a:t>
+              <a:rPr lang="de-CH" dirty="0" smtClean="0"/>
+              <a:t>kein </a:t>
+            </a:r>
+            <a:r>
+              <a:rPr lang="de-CH" dirty="0"/>
+              <a:t>«echter» </a:t>
             </a:r>
             <a:r>
               <a:rPr lang="de-CH" dirty="0" smtClean="0"/>
@@ -3424,11 +3440,7 @@
             <a:pPr lvl="1"/>
             <a:r>
               <a:rPr lang="de-CH" dirty="0"/>
-              <a:t>Bessere Zeitplanung </a:t>
-            </a:r>
-            <a:r>
-              <a:rPr lang="de-CH" dirty="0"/>
-              <a:t>möglich</a:t>
+              <a:t>Bessere Zeitplanung möglich</a:t>
             </a:r>
           </a:p>
         </p:txBody>
@@ -3521,19 +3533,19 @@
           <a:lstStyle/>
           <a:p>
             <a:r>
+              <a:rPr lang="de-CH" smtClean="0"/>
+              <a:t>nicht </a:t>
+            </a:r>
+            <a:r>
               <a:rPr lang="de-CH" dirty="0" smtClean="0"/>
-              <a:t>unflexibel</a:t>
+              <a:t>flexibel</a:t>
             </a:r>
             <a:endParaRPr lang="de-CH" dirty="0"/>
           </a:p>
           <a:p>
             <a:r>
-              <a:rPr lang="de-CH" dirty="0"/>
-              <a:t>Anfangs Zeitintensiv </a:t>
-            </a:r>
-            <a:r>
               <a:rPr lang="de-CH" dirty="0" smtClean="0"/>
-              <a:t>(Konzept </a:t>
+              <a:t>zu Beginn Zeitintensiv (Konzept </a:t>
             </a:r>
             <a:r>
               <a:rPr lang="de-CH" dirty="0"/>
@@ -3552,14 +3564,8 @@
             </a:r>
             <a:r>
               <a:rPr lang="de-CH" dirty="0" smtClean="0"/>
-              <a:t>SW </a:t>
-            </a:r>
-            <a:r>
-              <a:rPr lang="de-CH" dirty="0"/>
-              <a:t>schwieriger</a:t>
-            </a:r>
-          </a:p>
-          <a:p>
+              <a:t>SW schwierig</a:t>
+            </a:r>
             <a:endParaRPr lang="de-CH" dirty="0"/>
           </a:p>
         </p:txBody>
@@ -3646,8 +3652,12 @@
           </a:p>
           <a:p>
             <a:r>
-              <a:rPr lang="de-CH" dirty="0"/>
-              <a:t>Kleines Team </a:t>
+              <a:rPr lang="de-CH" dirty="0" smtClean="0"/>
+              <a:t>kleines </a:t>
+            </a:r>
+            <a:r>
+              <a:rPr lang="de-CH" dirty="0"/>
+              <a:t>Team </a:t>
             </a:r>
             <a:endParaRPr lang="de-CH" dirty="0" smtClean="0"/>
           </a:p>
@@ -3765,8 +3775,8 @@
           </a:p>
           <a:p>
             <a:r>
-              <a:rPr lang="de-CH" dirty="0"/>
-              <a:t>Häufiges </a:t>
+              <a:rPr lang="de-CH" dirty="0" smtClean="0"/>
+              <a:t>häufiges </a:t>
             </a:r>
             <a:r>
               <a:rPr lang="de-CH" dirty="0" err="1" smtClean="0"/>
@@ -3897,8 +3907,12 @@
           <a:lstStyle/>
           <a:p>
             <a:r>
-              <a:rPr lang="de-CH" dirty="0"/>
-              <a:t>Unser Prozessmodell:</a:t>
+              <a:rPr lang="de-CH" dirty="0" smtClean="0"/>
+              <a:t>unser </a:t>
+            </a:r>
+            <a:r>
+              <a:rPr lang="de-CH" dirty="0"/>
+              <a:t>Prozessmodell:</a:t>
             </a:r>
           </a:p>
           <a:p>
@@ -3909,11 +3923,7 @@
             </a:r>
             <a:r>
               <a:rPr lang="de-CH" dirty="0"/>
-              <a:t>/ Test und </a:t>
-            </a:r>
-            <a:r>
-              <a:rPr lang="de-CH" dirty="0"/>
-              <a:t>Demo-Phase: </a:t>
+              <a:t>/ Test und Demo-Phase: </a:t>
             </a:r>
             <a:r>
               <a:rPr lang="de-CH" dirty="0" err="1"/>
@@ -3923,7 +3933,6 @@
               <a:rPr lang="de-CH" dirty="0"/>
               <a:t> </a:t>
             </a:r>
-            <a:endParaRPr lang="de-CH" dirty="0"/>
           </a:p>
           <a:p>
             <a:pPr lvl="1"/>
@@ -4195,11 +4204,7 @@
             </a:r>
             <a:r>
               <a:rPr lang="de-CH" dirty="0"/>
-              <a:t>3 Sprints à 2 Wochen </a:t>
-            </a:r>
-            <a:r>
-              <a:rPr lang="de-CH" dirty="0"/>
-              <a:t>(</a:t>
+              <a:t>3 Sprints à 2 Wochen (</a:t>
             </a:r>
             <a:r>
               <a:rPr lang="de-CH" dirty="0" smtClean="0"/>
@@ -4253,22 +4258,10 @@
           <a:p>
             <a:pPr lvl="1"/>
             <a:r>
-              <a:rPr lang="de-CH" dirty="0"/>
+              <a:rPr lang="de-CH" dirty="0" smtClean="0"/>
               <a:t>Review</a:t>
             </a:r>
-          </a:p>
-          <a:p>
-            <a:r>
-              <a:rPr lang="de-CH" dirty="0"/>
-              <a:t>(Pflege / Weiterentwicklung)</a:t>
-            </a:r>
-          </a:p>
-          <a:p>
-            <a:pPr lvl="1"/>
-            <a:r>
-              <a:rPr lang="de-CH" dirty="0"/>
-              <a:t>(Neue Anforderungen Umsetzen und neue Releases herausgeben)</a:t>
-            </a:r>
+            <a:endParaRPr lang="de-CH" dirty="0"/>
           </a:p>
         </p:txBody>
       </p:sp>

--- a/doc/Task02/Task 2_orange.pptx
+++ b/doc/Task02/Task 2_orange.pptx
@@ -116,7 +116,7 @@
   </p:defaultTextStyle>
   <p:extLst>
     <p:ext uri="{EFAFB233-063F-42B5-8137-9DF3F51BA10A}">
-      <p15:sldGuideLst xmlns:p15="http://schemas.microsoft.com/office/powerpoint/2012/main" xmlns=""/>
+      <p15:sldGuideLst xmlns="" xmlns:p15="http://schemas.microsoft.com/office/powerpoint/2012/main"/>
     </p:ext>
   </p:extLst>
 </p:presentation>
@@ -3013,35 +3013,8 @@
               <a:t>SE </a:t>
             </a:r>
             <a:r>
-              <a:rPr lang="de-CH" dirty="0" err="1"/>
+              <a:rPr lang="de-CH" smtClean="0"/>
               <a:t>Process</a:t>
-            </a:r>
-            <a:r>
-              <a:rPr lang="de-CH" dirty="0"/>
-              <a:t/>
-            </a:r>
-            <a:br>
-              <a:rPr lang="de-CH" dirty="0"/>
-            </a:br>
-            <a:r>
-              <a:rPr lang="de-CH" dirty="0" err="1"/>
-              <a:t>We</a:t>
-            </a:r>
-            <a:r>
-              <a:rPr lang="de-CH" dirty="0"/>
-              <a:t> </a:t>
-            </a:r>
-            <a:r>
-              <a:rPr lang="de-CH" dirty="0" err="1"/>
-              <a:t>chose</a:t>
-            </a:r>
-            <a:r>
-              <a:rPr lang="de-CH" dirty="0"/>
-              <a:t> </a:t>
-            </a:r>
-            <a:r>
-              <a:rPr lang="de-CH" dirty="0" err="1"/>
-              <a:t>Scrum</a:t>
             </a:r>
             <a:endParaRPr lang="de-CH" dirty="0"/>
           </a:p>
@@ -4749,7 +4722,7 @@
   <a:extraClrSchemeLst/>
   <a:extLst>
     <a:ext uri="{05A4C25C-085E-4340-85A3-A5531E510DB2}">
-      <thm15:themeFamily xmlns:thm15="http://schemas.microsoft.com/office/thememl/2012/main" xmlns="" name="Office Theme" id="{62F939B6-93AF-4DB8-9C6B-D6C7DFDC589F}" vid="{4A3C46E8-61CC-4603-A589-7422A47A8E4A}"/>
+      <thm15:themeFamily xmlns="" xmlns:thm15="http://schemas.microsoft.com/office/thememl/2012/main" name="Office Theme" id="{62F939B6-93AF-4DB8-9C6B-D6C7DFDC589F}" vid="{4A3C46E8-61CC-4603-A589-7422A47A8E4A}"/>
     </a:ext>
   </a:extLst>
 </a:theme>
